--- a/translations/pt/lessons/SoftwareandFirmware.pptx
+++ b/translations/pt/lessons/SoftwareandFirmware.pptx
@@ -218,7 +218,7 @@
           <a:p>
             <a:fld id="{58040048-1E4D-CD41-AC49-0750EB72586B}" type="datetimeFigureOut">
               <a:rPr lang="en-US" smtClean="0"/>
-              <a:t>01/08/2020</a:t>
+              <a:t>6/5/2020</a:t>
             </a:fld>
             <a:endParaRPr lang="en-US"/>
           </a:p>
@@ -284,7 +284,7 @@
           <a:p>
             <a:fld id="{760592D1-055B-824F-99E1-F69F9F11B539}" type="slidenum">
               <a:rPr lang="en-US" smtClean="0"/>
-              <a:t>‹#›</a:t>
+              <a:t>‹nº›</a:t>
             </a:fld>
             <a:endParaRPr lang="en-US"/>
           </a:p>
@@ -384,7 +384,7 @@
           <a:p>
             <a:fld id="{2B8484CF-5098-F24E-8881-583515D5C406}" type="datetimeFigureOut">
               <a:rPr lang="en-US" smtClean="0"/>
-              <a:t>01/08/2020</a:t>
+              <a:t>6/5/2020</a:t>
             </a:fld>
             <a:endParaRPr lang="en-US"/>
           </a:p>
@@ -542,7 +542,7 @@
           <a:p>
             <a:fld id="{A6B67714-547E-8A4E-AE1C-9E3378A836DF}" type="slidenum">
               <a:rPr lang="en-US" smtClean="0"/>
-              <a:t>‹#›</a:t>
+              <a:t>‹nº›</a:t>
             </a:fld>
             <a:endParaRPr lang="en-US"/>
           </a:p>
@@ -1607,7 +1607,7 @@
           <a:p>
             <a:fld id="{BBD74847-7BE4-4E4D-8159-51DF7B93C616}" type="slidenum">
               <a:rPr lang="en-US" smtClean="0"/>
-              <a:t>‹#›</a:t>
+              <a:t>‹nº›</a:t>
             </a:fld>
             <a:endParaRPr lang="en-US"/>
           </a:p>
@@ -1872,7 +1872,7 @@
           <a:p>
             <a:fld id="{BBD74847-7BE4-4E4D-8159-51DF7B93C616}" type="slidenum">
               <a:rPr lang="en-US" smtClean="0"/>
-              <a:t>‹#›</a:t>
+              <a:t>‹nº›</a:t>
             </a:fld>
             <a:endParaRPr lang="en-US"/>
           </a:p>
@@ -2105,7 +2105,7 @@
           <a:p>
             <a:fld id="{BBD74847-7BE4-4E4D-8159-51DF7B93C616}" type="slidenum">
               <a:rPr lang="en-US" smtClean="0"/>
-              <a:t>‹#›</a:t>
+              <a:t>‹nº›</a:t>
             </a:fld>
             <a:endParaRPr lang="en-US"/>
           </a:p>
@@ -2489,7 +2489,7 @@
           <a:p>
             <a:fld id="{BBD74847-7BE4-4E4D-8159-51DF7B93C616}" type="slidenum">
               <a:rPr lang="en-US" smtClean="0"/>
-              <a:t>‹#›</a:t>
+              <a:t>‹nº›</a:t>
             </a:fld>
             <a:endParaRPr lang="en-US"/>
           </a:p>
@@ -2903,7 +2903,7 @@
           <a:p>
             <a:fld id="{BBD74847-7BE4-4E4D-8159-51DF7B93C616}" type="slidenum">
               <a:rPr lang="en-US" smtClean="0"/>
-              <a:t>‹#›</a:t>
+              <a:t>‹nº›</a:t>
             </a:fld>
             <a:endParaRPr lang="en-US"/>
           </a:p>
@@ -3411,7 +3411,7 @@
           <a:p>
             <a:fld id="{BBD74847-7BE4-4E4D-8159-51DF7B93C616}" type="slidenum">
               <a:rPr lang="en-US" smtClean="0"/>
-              <a:t>‹#›</a:t>
+              <a:t>‹nº›</a:t>
             </a:fld>
             <a:endParaRPr lang="en-US"/>
           </a:p>
@@ -3608,7 +3608,7 @@
           <a:p>
             <a:fld id="{BBD74847-7BE4-4E4D-8159-51DF7B93C616}" type="slidenum">
               <a:rPr lang="en-US" smtClean="0"/>
-              <a:t>‹#›</a:t>
+              <a:t>‹nº›</a:t>
             </a:fld>
             <a:endParaRPr lang="en-US"/>
           </a:p>
@@ -3897,7 +3897,7 @@
           <a:p>
             <a:fld id="{BBD74847-7BE4-4E4D-8159-51DF7B93C616}" type="slidenum">
               <a:rPr lang="en-US" smtClean="0"/>
-              <a:t>‹#›</a:t>
+              <a:t>‹nº›</a:t>
             </a:fld>
             <a:endParaRPr lang="en-US"/>
           </a:p>
@@ -4393,7 +4393,7 @@
           <a:p>
             <a:fld id="{BBD74847-7BE4-4E4D-8159-51DF7B93C616}" type="slidenum">
               <a:rPr lang="en-US" smtClean="0"/>
-              <a:t>‹#›</a:t>
+              <a:t>‹nº›</a:t>
             </a:fld>
             <a:endParaRPr lang="en-US"/>
           </a:p>
@@ -4684,7 +4684,7 @@
           <a:p>
             <a:fld id="{BBD74847-7BE4-4E4D-8159-51DF7B93C616}" type="slidenum">
               <a:rPr lang="en-US" smtClean="0"/>
-              <a:t>‹#›</a:t>
+              <a:t>‹nº›</a:t>
             </a:fld>
             <a:endParaRPr lang="en-US"/>
           </a:p>
@@ -5013,7 +5013,7 @@
             <a:fld id="{BBD74847-7BE4-4E4D-8159-51DF7B93C616}" type="slidenum">
               <a:rPr lang="en-US" smtClean="0"/>
               <a:pPr/>
-              <a:t>‹#›</a:t>
+              <a:t>‹nº›</a:t>
             </a:fld>
             <a:endParaRPr lang="en-US"/>
           </a:p>
@@ -5489,7 +5489,7 @@
           <a:p>
             <a:r>
               <a:rPr lang="en-US" dirty="0"/>
-              <a:t>installing software &amp; Firmware</a:t>
+              <a:t>Instalando o software &amp; firmware</a:t>
             </a:r>
           </a:p>
         </p:txBody>
@@ -5517,7 +5517,7 @@
           <a:p>
             <a:r>
               <a:rPr lang="en-US" dirty="0"/>
-              <a:t>BY SANJAY AND ARVIND SESHAN</a:t>
+              <a:t>por SANJAY e ARVIND SESHAN</a:t>
             </a:r>
           </a:p>
         </p:txBody>
@@ -5569,7 +5569,7 @@
           <a:p>
             <a:r>
               <a:rPr lang="en-US" dirty="0"/>
-              <a:t>Lesson Objectives</a:t>
+              <a:t>Objetivos</a:t>
             </a:r>
           </a:p>
         </p:txBody>
@@ -5596,11 +5596,8 @@
           <a:p>
             <a:r>
               <a:rPr lang="en-US" dirty="0"/>
-              <a:t>Learn how to update SPIKE Prime</a:t>
-            </a:r>
-          </a:p>
-          <a:p>
-            <a:endParaRPr lang="en-US" dirty="0"/>
+              <a:t>Aprender a atualizar o SPIKE Prime</a:t>
+            </a:r>
           </a:p>
           <a:p>
             <a:endParaRPr lang="en-US" dirty="0"/>
@@ -5623,7 +5620,7 @@
           <a:lstStyle/>
           <a:p>
             <a:r>
-              <a:rPr lang="en-US"/>
+              <a:rPr lang="en-US" dirty="0"/>
               <a:t>Copyright © 2020 SPIKE Prime Lessons (primelessons.org) CC-BY-NC-SA.  (Last edit: 1/9/2020)</a:t>
             </a:r>
           </a:p>
@@ -5683,7 +5680,7 @@
               <a:rPr lang="en-US" smtClean="0"/>
               <a:t>2</a:t>
             </a:fld>
-            <a:endParaRPr lang="en-US"/>
+            <a:endParaRPr lang="en-US" dirty="0"/>
           </a:p>
         </p:txBody>
       </p:sp>
@@ -5763,7 +5760,7 @@
           <a:p>
             <a:r>
               <a:rPr lang="en-US" dirty="0"/>
-              <a:t>Connect to hub</a:t>
+              <a:t>Conexão ao hub</a:t>
             </a:r>
           </a:p>
         </p:txBody>
@@ -5791,28 +5788,20 @@
           <a:lstStyle/>
           <a:p>
             <a:r>
-              <a:rPr lang="en-US" dirty="0"/>
-              <a:t>Connect your SPIKE Prime to your computer using the USB Cable for OS Updates</a:t>
-            </a:r>
-          </a:p>
-          <a:p>
-            <a:r>
-              <a:rPr lang="en-US" dirty="0"/>
-              <a:t>The software will auto-connect to the brick if you are using USB</a:t>
-            </a:r>
-          </a:p>
-          <a:p>
-            <a:r>
-              <a:rPr lang="en-US" dirty="0"/>
-              <a:t>Note: If you are using the iOS</a:t>
-            </a:r>
-            <a:r>
-              <a:rPr lang="en-US"/>
-              <a:t>,  Android, </a:t>
-            </a:r>
-            <a:r>
-              <a:rPr lang="en-US" dirty="0"/>
-              <a:t>or Chromebook version of the software, you may need to connect to your Hub using a computer the very first time to update the firmware on the Hub. Subsequent updates may be possible via Bluetooth. [This process may get updated.]</a:t>
+              <a:rPr lang="pt-BR" dirty="0"/>
+              <a:t>Conecte o seu SPIKE Prime no computador usando o cabo USB para atualizações de firmware.</a:t>
+            </a:r>
+          </a:p>
+          <a:p>
+            <a:r>
+              <a:rPr lang="pt-BR" dirty="0"/>
+              <a:t>O software se conectará automaticamente ao Hub caso esteja usando USB.</a:t>
+            </a:r>
+          </a:p>
+          <a:p>
+            <a:r>
+              <a:rPr lang="pt-BR" dirty="0"/>
+              <a:t>Nota: Se você está usando a versão de iOS,  Android, ou Chromebook do software, você pode precisar conectar o Hub a um computador para a primeira atualização. As próximas atualizações poderão ser disponibilizadas via Bluetooh (processo sujeito a mudanças)</a:t>
             </a:r>
           </a:p>
         </p:txBody>
@@ -5833,7 +5822,7 @@
           <a:lstStyle/>
           <a:p>
             <a:r>
-              <a:rPr lang="en-US"/>
+              <a:rPr lang="en-US" dirty="0"/>
               <a:t>Copyright © 2020 SPIKE Prime Lessons (primelessons.org) CC-BY-NC-SA.  (Last edit: 1/9/2020)</a:t>
             </a:r>
           </a:p>
@@ -5879,7 +5868,7 @@
           <a:lstStyle/>
           <a:p>
             <a:pPr algn="ctr"/>
-            <a:endParaRPr lang="en-US"/>
+            <a:endParaRPr lang="en-US" dirty="0"/>
           </a:p>
         </p:txBody>
       </p:sp>
@@ -5908,7 +5897,7 @@
               <a:rPr lang="en-US" smtClean="0"/>
               <a:t>3</a:t>
             </a:fld>
-            <a:endParaRPr lang="en-US"/>
+            <a:endParaRPr lang="en-US" dirty="0"/>
           </a:p>
         </p:txBody>
       </p:sp>
@@ -5965,7 +5954,7 @@
           <a:p>
             <a:r>
               <a:rPr lang="en-US" dirty="0"/>
-              <a:t>Updating the hub operating system</a:t>
+              <a:t>Atualizando o os do hub</a:t>
             </a:r>
           </a:p>
         </p:txBody>
@@ -5998,7 +5987,55 @@
           <a:p>
             <a:r>
               <a:rPr lang="en-US" dirty="0"/>
-              <a:t>If there is an Update available, you will get a popup telling you to do so</a:t>
+              <a:t>Se há uma atualização disponível, </a:t>
+            </a:r>
+            <a:r>
+              <a:rPr lang="en-US" dirty="0" err="1"/>
+              <a:t>você</a:t>
+            </a:r>
+            <a:r>
+              <a:rPr lang="en-US" dirty="0"/>
+              <a:t> </a:t>
+            </a:r>
+            <a:r>
+              <a:rPr lang="en-US" dirty="0" err="1"/>
+              <a:t>receberá</a:t>
+            </a:r>
+            <a:r>
+              <a:rPr lang="en-US" dirty="0"/>
+              <a:t> </a:t>
+            </a:r>
+            <a:r>
+              <a:rPr lang="en-US" dirty="0" err="1"/>
+              <a:t>uma</a:t>
+            </a:r>
+            <a:r>
+              <a:rPr lang="en-US" dirty="0"/>
+              <a:t> </a:t>
+            </a:r>
+            <a:r>
+              <a:rPr lang="en-US" dirty="0" err="1"/>
+              <a:t>mensagem</a:t>
+            </a:r>
+            <a:r>
+              <a:rPr lang="en-US" dirty="0"/>
+              <a:t> </a:t>
+            </a:r>
+            <a:r>
+              <a:rPr lang="en-US" dirty="0" err="1"/>
+              <a:t>avisando</a:t>
+            </a:r>
+            <a:r>
+              <a:rPr lang="en-US" dirty="0"/>
+              <a:t> </a:t>
+            </a:r>
+            <a:r>
+              <a:rPr lang="en-US" dirty="0" err="1"/>
+              <a:t>sobre</a:t>
+            </a:r>
+            <a:r>
+              <a:rPr lang="en-US" dirty="0"/>
+              <a:t>.</a:t>
             </a:r>
           </a:p>
         </p:txBody>
@@ -6025,10 +6062,9 @@
           <a:lstStyle/>
           <a:p>
             <a:r>
-              <a:rPr lang="en-US"/>
+              <a:rPr lang="en-US" dirty="0"/>
               <a:t>Copyright © 2020 SPIKE Prime Lessons (primelessons.org) CC-BY-NC-SA.  (Last edit: 1/9/2020)</a:t>
             </a:r>
-            <a:endParaRPr lang="en-US" dirty="0"/>
           </a:p>
         </p:txBody>
       </p:sp>
@@ -6057,7 +6093,7 @@
               <a:rPr lang="en-US" smtClean="0"/>
               <a:t>4</a:t>
             </a:fld>
-            <a:endParaRPr lang="en-US"/>
+            <a:endParaRPr lang="en-US" dirty="0"/>
           </a:p>
         </p:txBody>
       </p:sp>
@@ -6216,13 +6252,8 @@
           <a:p>
             <a:r>
               <a:rPr lang="en-US" dirty="0"/>
-              <a:t>Renaming </a:t>
-            </a:r>
-            <a:r>
-              <a:rPr lang="en-US" dirty="0" err="1"/>
-              <a:t>HUb</a:t>
-            </a:r>
-            <a:endParaRPr lang="en-US" dirty="0"/>
+              <a:t>Renomeando o hub</a:t>
+            </a:r>
           </a:p>
         </p:txBody>
       </p:sp>
@@ -6249,13 +6280,18 @@
           </a:xfrm>
         </p:spPr>
         <p:txBody>
-          <a:bodyPr/>
+          <a:bodyPr>
+            <a:normAutofit/>
+          </a:bodyPr>
           <a:lstStyle/>
           <a:p>
             <a:r>
-              <a:rPr lang="en-US" dirty="0"/>
-              <a:t>The first time you update your Hub OS, you will be prompted to rename your Hub</a:t>
-            </a:r>
+              <a:rPr lang="pt-BR" dirty="0"/>
+              <a:t>Ao realizar a primeira atualização você será solicitado a renomear o seu Hub.</a:t>
+            </a:r>
+          </a:p>
+          <a:p>
+            <a:endParaRPr lang="en-US" dirty="0"/>
           </a:p>
         </p:txBody>
       </p:sp>
@@ -6281,10 +6317,9 @@
           <a:lstStyle/>
           <a:p>
             <a:r>
-              <a:rPr lang="en-US"/>
+              <a:rPr lang="en-US" dirty="0"/>
               <a:t>Copyright © 2020 SPIKE Prime Lessons (primelessons.org) CC-BY-NC-SA.  (Last edit: 1/9/2020)</a:t>
             </a:r>
-            <a:endParaRPr lang="en-US" dirty="0"/>
           </a:p>
         </p:txBody>
       </p:sp>
@@ -6313,7 +6348,7 @@
               <a:rPr lang="en-US" smtClean="0"/>
               <a:t>5</a:t>
             </a:fld>
-            <a:endParaRPr lang="en-US"/>
+            <a:endParaRPr lang="en-US" dirty="0"/>
           </a:p>
         </p:txBody>
       </p:sp>
@@ -6434,7 +6469,7 @@
           <a:p>
             <a:r>
               <a:rPr lang="en-US" dirty="0"/>
-              <a:t>INSTALL LATEST HUB OS</a:t>
+              <a:t>Instalando a última versão do hub os</a:t>
             </a:r>
           </a:p>
         </p:txBody>
@@ -6466,20 +6501,20 @@
           <a:lstStyle/>
           <a:p>
             <a:r>
-              <a:rPr lang="en-US" dirty="0"/>
-              <a:t>When a new Hub OS is available a button labeled Update will appear next to the current Hub OS in the Hub Dashboard </a:t>
-            </a:r>
-          </a:p>
-          <a:p>
-            <a:r>
-              <a:rPr lang="en-US" dirty="0"/>
-              <a:t>You may also see a pop-up show up on the right side of the screen indicating a Hub OS update is available</a:t>
-            </a:r>
-          </a:p>
-          <a:p>
-            <a:r>
-              <a:rPr lang="en-US" dirty="0"/>
-              <a:t>Never disconnect the Hub while the update is in progress</a:t>
+              <a:rPr lang="pt-BR" dirty="0"/>
+              <a:t>Quando uma nova versão do Hub OS estiver disponível o botão “Update” irá aparecer ao lado da versão atual do Hub OS no Hub Dashboard.</a:t>
+            </a:r>
+          </a:p>
+          <a:p>
+            <a:r>
+              <a:rPr lang="pt-BR" dirty="0"/>
+              <a:t>Você também pode ver um pop-up no lado direito da tela indicando uma atualização disponível.</a:t>
+            </a:r>
+          </a:p>
+          <a:p>
+            <a:r>
+              <a:rPr lang="pt-BR" dirty="0"/>
+              <a:t>Nunca desconecte o Hub durante a atualização.</a:t>
             </a:r>
           </a:p>
         </p:txBody>
@@ -6506,10 +6541,9 @@
           <a:lstStyle/>
           <a:p>
             <a:r>
-              <a:rPr lang="en-US"/>
+              <a:rPr lang="en-US" dirty="0"/>
               <a:t>Copyright © 2020 SPIKE Prime Lessons (primelessons.org) CC-BY-NC-SA.  (Last edit: 1/9/2020)</a:t>
             </a:r>
-            <a:endParaRPr lang="en-US" dirty="0"/>
           </a:p>
         </p:txBody>
       </p:sp>
@@ -6538,7 +6572,7 @@
               <a:rPr lang="en-US" smtClean="0"/>
               <a:t>6</a:t>
             </a:fld>
-            <a:endParaRPr lang="en-US"/>
+            <a:endParaRPr lang="en-US" dirty="0"/>
           </a:p>
         </p:txBody>
       </p:sp>
@@ -6738,7 +6772,7 @@
             <a:lstStyle/>
             <a:p>
               <a:pPr algn="ctr"/>
-              <a:endParaRPr lang="en-US"/>
+              <a:endParaRPr lang="en-US" dirty="0"/>
             </a:p>
           </p:txBody>
         </p:sp>
@@ -6796,7 +6830,7 @@
           <a:p>
             <a:r>
               <a:rPr lang="en-US" dirty="0"/>
-              <a:t>Install the latest Software</a:t>
+              <a:t>Instalando a última versão do Software</a:t>
             </a:r>
           </a:p>
         </p:txBody>
@@ -6828,14 +6862,14 @@
           <a:lstStyle/>
           <a:p>
             <a:r>
-              <a:rPr lang="en-US" dirty="0"/>
-              <a:t>You can check for SPIKE Prime Software Updates from inside the App</a:t>
-            </a:r>
-          </a:p>
-          <a:p>
-            <a:r>
-              <a:rPr lang="en-US" dirty="0"/>
-              <a:t>Click on the Help Menu inside a Project and Check for Update</a:t>
+              <a:rPr lang="pt-BR" dirty="0"/>
+              <a:t>Você pode verificar por atualizações dentro do software.</a:t>
+            </a:r>
+          </a:p>
+          <a:p>
+            <a:r>
+              <a:rPr lang="pt-BR" dirty="0"/>
+              <a:t>Clique no menu de ajuda, em um projeto, e depois em “procurar por atualizações”</a:t>
             </a:r>
           </a:p>
         </p:txBody>
@@ -6862,10 +6896,9 @@
           <a:lstStyle/>
           <a:p>
             <a:r>
-              <a:rPr lang="en-US"/>
+              <a:rPr lang="en-US" dirty="0"/>
               <a:t>Copyright © 2020 SPIKE Prime Lessons (primelessons.org) CC-BY-NC-SA.  (Last edit: 1/9/2020)</a:t>
             </a:r>
-            <a:endParaRPr lang="en-US" dirty="0"/>
           </a:p>
         </p:txBody>
       </p:sp>
@@ -6894,7 +6927,7 @@
               <a:rPr lang="en-US" smtClean="0"/>
               <a:t>7</a:t>
             </a:fld>
-            <a:endParaRPr lang="en-US"/>
+            <a:endParaRPr lang="en-US" dirty="0"/>
           </a:p>
         </p:txBody>
       </p:sp>
@@ -6975,7 +7008,7 @@
           <a:p>
             <a:r>
               <a:rPr lang="en-US" dirty="0"/>
-              <a:t>CREDITS</a:t>
+              <a:t>CRéDIToS</a:t>
             </a:r>
           </a:p>
         </p:txBody>
@@ -7004,13 +7037,26 @@
           <a:p>
             <a:r>
               <a:rPr lang="en-US" sz="1600" dirty="0"/>
-              <a:t>This lesson was created by Sanjay Seshan and Arvind Seshan for SPIKE Prime Lessons</a:t>
+              <a:t>Esse tutorial foi criado por Sanjay Seshan e Arvind Seshan para SPIKE Prime Lessons</a:t>
             </a:r>
           </a:p>
           <a:p>
             <a:r>
               <a:rPr lang="en-US" sz="1600" dirty="0"/>
-              <a:t>More lessons are available at www.primelessons.org</a:t>
+              <a:t>Mais tutoriais em </a:t>
+            </a:r>
+            <a:r>
+              <a:rPr lang="en-US" sz="1600" dirty="0">
+                <a:hlinkClick r:id="rId2"/>
+              </a:rPr>
+              <a:t>www.primelessons.org</a:t>
+            </a:r>
+            <a:endParaRPr lang="en-US" sz="1600" dirty="0"/>
+          </a:p>
+          <a:p>
+            <a:r>
+              <a:rPr lang="en-US" sz="1600" dirty="0"/>
+              <a:t>Traduzido para o português por Lucas Colonna</a:t>
             </a:r>
           </a:p>
         </p:txBody>
@@ -7281,7 +7327,7 @@
                 </a:solidFill>
                 <a:effectLst/>
                 <a:latin typeface="Helvetica Neue"/>
-                <a:hlinkClick r:id="rId2"/>
+                <a:hlinkClick r:id="rId3"/>
               </a:rPr>
               <a:t>Creative Commons Attribution-</a:t>
             </a:r>
@@ -7295,7 +7341,7 @@
                 </a:solidFill>
                 <a:effectLst/>
                 <a:latin typeface="Helvetica Neue"/>
-                <a:hlinkClick r:id="rId2"/>
+                <a:hlinkClick r:id="rId3"/>
               </a:rPr>
               <a:t>NonCommercial</a:t>
             </a:r>
@@ -7309,7 +7355,7 @@
                 </a:solidFill>
                 <a:effectLst/>
                 <a:latin typeface="Helvetica Neue"/>
-                <a:hlinkClick r:id="rId2"/>
+                <a:hlinkClick r:id="rId3"/>
               </a:rPr>
               <a:t>-</a:t>
             </a:r>
@@ -7323,7 +7369,7 @@
                 </a:solidFill>
                 <a:effectLst/>
                 <a:latin typeface="Helvetica Neue"/>
-                <a:hlinkClick r:id="rId2"/>
+                <a:hlinkClick r:id="rId3"/>
               </a:rPr>
               <a:t>ShareAlike</a:t>
             </a:r>
@@ -7337,7 +7383,7 @@
                 </a:solidFill>
                 <a:effectLst/>
                 <a:latin typeface="Helvetica Neue"/>
-                <a:hlinkClick r:id="rId2"/>
+                <a:hlinkClick r:id="rId3"/>
               </a:rPr>
               <a:t> 4.0 International License</a:t>
             </a:r>
@@ -7382,7 +7428,7 @@
       <p:pic>
         <p:nvPicPr>
           <p:cNvPr id="6" name="Picture 5" descr="Creative Commons License">
-            <a:hlinkClick r:id="rId2"/>
+            <a:hlinkClick r:id="rId3"/>
           </p:cNvPr>
           <p:cNvPicPr>
             <a:picLocks noChangeAspect="1" noChangeArrowheads="1"/>
@@ -7390,7 +7436,7 @@
           <p:nvPr/>
         </p:nvPicPr>
         <p:blipFill>
-          <a:blip r:embed="rId3">
+          <a:blip r:embed="rId4">
             <a:extLst>
               <a:ext uri="{28A0092B-C50C-407E-A947-70E740481C1C}">
                 <a14:useLocalDpi xmlns:a14="http://schemas.microsoft.com/office/drawing/2010/main" val="0"/>
